--- a/project_management/open_meetings/ICR_WS_Meeting_2010_10_12.pptx
+++ b/project_management/open_meetings/ICR_WS_Meeting_2010_10_12.pptx
@@ -16852,136 +16852,6 @@
       <dsp:cNvGrpSpPr/>
     </dsp:nvGrpSpPr>
     <dsp:grpSpPr/>
-    <dsp:sp modelId="{219A9598-0BC2-5245-8DC7-BDC783833612}">
-      <dsp:nvSpPr>
-        <dsp:cNvPr id="0" name=""/>
-        <dsp:cNvSpPr/>
-      </dsp:nvSpPr>
-      <dsp:spPr>
-        <a:xfrm rot="10800000">
-          <a:off x="1072133" y="618743"/>
-          <a:ext cx="2837688" cy="1429512"/>
-        </a:xfrm>
-        <a:prstGeom prst="homePlate">
-          <a:avLst/>
-        </a:prstGeom>
-        <a:gradFill flip="none" rotWithShape="1">
-          <a:gsLst>
-            <a:gs pos="0">
-              <a:srgbClr val="FFCC66"/>
-            </a:gs>
-            <a:gs pos="100000">
-              <a:srgbClr val="FFFFFF"/>
-            </a:gs>
-          </a:gsLst>
-          <a:lin ang="16200000" scaled="0"/>
-          <a:tileRect/>
-        </a:gradFill>
-        <a:ln>
-          <a:noFill/>
-        </a:ln>
-        <a:effectLst>
-          <a:outerShdw blurRad="40000" dist="23000" dir="5400000" rotWithShape="0">
-            <a:srgbClr val="000000">
-              <a:alpha val="35000"/>
-            </a:srgbClr>
-          </a:outerShdw>
-        </a:effectLst>
-      </dsp:spPr>
-      <dsp:style>
-        <a:lnRef idx="0">
-          <a:scrgbClr r="0" g="0" b="0"/>
-        </a:lnRef>
-        <a:fillRef idx="3">
-          <a:scrgbClr r="0" g="0" b="0"/>
-        </a:fillRef>
-        <a:effectRef idx="2">
-          <a:scrgbClr r="0" g="0" b="0"/>
-        </a:effectRef>
-        <a:fontRef idx="minor">
-          <a:schemeClr val="lt1"/>
-        </a:fontRef>
-      </dsp:style>
-      <dsp:txBody>
-        <a:bodyPr spcFirstLastPara="0" vert="horz" wrap="square" lIns="630375" tIns="137160" rIns="256032" bIns="137160" numCol="1" spcCol="1270" anchor="ctr" anchorCtr="0">
-          <a:noAutofit/>
-        </a:bodyPr>
-        <a:lstStyle/>
-        <a:p>
-          <a:pPr lvl="0" algn="ctr" defTabSz="1600200">
-            <a:lnSpc>
-              <a:spcPct val="90000"/>
-            </a:lnSpc>
-            <a:spcBef>
-              <a:spcPct val="0"/>
-            </a:spcBef>
-            <a:spcAft>
-              <a:spcPct val="35000"/>
-            </a:spcAft>
-          </a:pPr>
-          <a:r>
-            <a:rPr lang="en-US" sz="3600" kern="1200" dirty="0" smtClean="0">
-              <a:solidFill>
-                <a:schemeClr val="tx1"/>
-              </a:solidFill>
-            </a:rPr>
-            <a:t>Annotare</a:t>
-          </a:r>
-          <a:endParaRPr lang="en-US" sz="3600" kern="1200" dirty="0">
-            <a:solidFill>
-              <a:schemeClr val="tx1"/>
-            </a:solidFill>
-          </a:endParaRPr>
-        </a:p>
-      </dsp:txBody>
-      <dsp:txXfrm rot="10800000">
-        <a:off x="1072133" y="618743"/>
-        <a:ext cx="2837688" cy="1429512"/>
-      </dsp:txXfrm>
-    </dsp:sp>
-    <dsp:sp modelId="{C9F606A1-DC72-3246-8B8C-8951A5C52150}">
-      <dsp:nvSpPr>
-        <dsp:cNvPr id="0" name=""/>
-        <dsp:cNvSpPr/>
-      </dsp:nvSpPr>
-      <dsp:spPr>
-        <a:xfrm>
-          <a:off x="357377" y="618743"/>
-          <a:ext cx="1429512" cy="1429512"/>
-        </a:xfrm>
-        <a:prstGeom prst="ellipse">
-          <a:avLst/>
-        </a:prstGeom>
-        <a:blipFill rotWithShape="0">
-          <a:blip xmlns:r="http://schemas.openxmlformats.org/officeDocument/2006/relationships" r:embed="rId1"/>
-          <a:stretch>
-            <a:fillRect/>
-          </a:stretch>
-        </a:blipFill>
-        <a:ln>
-          <a:noFill/>
-        </a:ln>
-        <a:effectLst>
-          <a:outerShdw blurRad="40000" dist="23000" dir="5400000" rotWithShape="0">
-            <a:srgbClr val="000000">
-              <a:alpha val="35000"/>
-            </a:srgbClr>
-          </a:outerShdw>
-        </a:effectLst>
-      </dsp:spPr>
-      <dsp:style>
-        <a:lnRef idx="0">
-          <a:scrgbClr r="0" g="0" b="0"/>
-        </a:lnRef>
-        <a:fillRef idx="1">
-          <a:scrgbClr r="0" g="0" b="0"/>
-        </a:fillRef>
-        <a:effectRef idx="2">
-          <a:scrgbClr r="0" g="0" b="0"/>
-        </a:effectRef>
-        <a:fontRef idx="minor"/>
-      </dsp:style>
-    </dsp:sp>
   </dsp:spTree>
 </dsp:drawing>
 </file>
@@ -16994,136 +16864,6 @@
       <dsp:cNvGrpSpPr/>
     </dsp:nvGrpSpPr>
     <dsp:grpSpPr/>
-    <dsp:sp modelId="{219A9598-0BC2-5245-8DC7-BDC783833612}">
-      <dsp:nvSpPr>
-        <dsp:cNvPr id="0" name=""/>
-        <dsp:cNvSpPr/>
-      </dsp:nvSpPr>
-      <dsp:spPr>
-        <a:xfrm rot="10800000">
-          <a:off x="1072133" y="618743"/>
-          <a:ext cx="2837688" cy="1429512"/>
-        </a:xfrm>
-        <a:prstGeom prst="homePlate">
-          <a:avLst/>
-        </a:prstGeom>
-        <a:gradFill flip="none" rotWithShape="1">
-          <a:gsLst>
-            <a:gs pos="0">
-              <a:srgbClr val="FFCC66"/>
-            </a:gs>
-            <a:gs pos="100000">
-              <a:srgbClr val="FFFFFF"/>
-            </a:gs>
-          </a:gsLst>
-          <a:lin ang="16200000" scaled="0"/>
-          <a:tileRect/>
-        </a:gradFill>
-        <a:ln>
-          <a:noFill/>
-        </a:ln>
-        <a:effectLst>
-          <a:outerShdw blurRad="40000" dist="23000" dir="5400000" rotWithShape="0">
-            <a:srgbClr val="000000">
-              <a:alpha val="35000"/>
-            </a:srgbClr>
-          </a:outerShdw>
-        </a:effectLst>
-      </dsp:spPr>
-      <dsp:style>
-        <a:lnRef idx="0">
-          <a:scrgbClr r="0" g="0" b="0"/>
-        </a:lnRef>
-        <a:fillRef idx="3">
-          <a:scrgbClr r="0" g="0" b="0"/>
-        </a:fillRef>
-        <a:effectRef idx="2">
-          <a:scrgbClr r="0" g="0" b="0"/>
-        </a:effectRef>
-        <a:fontRef idx="minor">
-          <a:schemeClr val="lt1"/>
-        </a:fontRef>
-      </dsp:style>
-      <dsp:txBody>
-        <a:bodyPr spcFirstLastPara="0" vert="horz" wrap="square" lIns="630375" tIns="137160" rIns="256032" bIns="137160" numCol="1" spcCol="1270" anchor="ctr" anchorCtr="0">
-          <a:noAutofit/>
-        </a:bodyPr>
-        <a:lstStyle/>
-        <a:p>
-          <a:pPr lvl="0" algn="ctr" defTabSz="1600200">
-            <a:lnSpc>
-              <a:spcPct val="90000"/>
-            </a:lnSpc>
-            <a:spcBef>
-              <a:spcPct val="0"/>
-            </a:spcBef>
-            <a:spcAft>
-              <a:spcPct val="35000"/>
-            </a:spcAft>
-          </a:pPr>
-          <a:r>
-            <a:rPr lang="en-US" sz="3600" kern="1200" dirty="0" smtClean="0">
-              <a:solidFill>
-                <a:schemeClr val="tx1"/>
-              </a:solidFill>
-            </a:rPr>
-            <a:t>Annotare</a:t>
-          </a:r>
-          <a:endParaRPr lang="en-US" sz="3600" kern="1200" dirty="0">
-            <a:solidFill>
-              <a:schemeClr val="tx1"/>
-            </a:solidFill>
-          </a:endParaRPr>
-        </a:p>
-      </dsp:txBody>
-      <dsp:txXfrm rot="10800000">
-        <a:off x="1072133" y="618743"/>
-        <a:ext cx="2837688" cy="1429512"/>
-      </dsp:txXfrm>
-    </dsp:sp>
-    <dsp:sp modelId="{C9F606A1-DC72-3246-8B8C-8951A5C52150}">
-      <dsp:nvSpPr>
-        <dsp:cNvPr id="0" name=""/>
-        <dsp:cNvSpPr/>
-      </dsp:nvSpPr>
-      <dsp:spPr>
-        <a:xfrm>
-          <a:off x="357377" y="618743"/>
-          <a:ext cx="1429512" cy="1429512"/>
-        </a:xfrm>
-        <a:prstGeom prst="ellipse">
-          <a:avLst/>
-        </a:prstGeom>
-        <a:blipFill rotWithShape="0">
-          <a:blip xmlns:r="http://schemas.openxmlformats.org/officeDocument/2006/relationships" r:embed="rId1"/>
-          <a:stretch>
-            <a:fillRect/>
-          </a:stretch>
-        </a:blipFill>
-        <a:ln>
-          <a:noFill/>
-        </a:ln>
-        <a:effectLst>
-          <a:outerShdw blurRad="40000" dist="23000" dir="5400000" rotWithShape="0">
-            <a:srgbClr val="000000">
-              <a:alpha val="35000"/>
-            </a:srgbClr>
-          </a:outerShdw>
-        </a:effectLst>
-      </dsp:spPr>
-      <dsp:style>
-        <a:lnRef idx="0">
-          <a:scrgbClr r="0" g="0" b="0"/>
-        </a:lnRef>
-        <a:fillRef idx="1">
-          <a:scrgbClr r="0" g="0" b="0"/>
-        </a:fillRef>
-        <a:effectRef idx="2">
-          <a:scrgbClr r="0" g="0" b="0"/>
-        </a:effectRef>
-        <a:fontRef idx="minor"/>
-      </dsp:style>
-    </dsp:sp>
   </dsp:spTree>
 </dsp:drawing>
 </file>
@@ -17136,136 +16876,6 @@
       <dsp:cNvGrpSpPr/>
     </dsp:nvGrpSpPr>
     <dsp:grpSpPr/>
-    <dsp:sp modelId="{219A9598-0BC2-5245-8DC7-BDC783833612}">
-      <dsp:nvSpPr>
-        <dsp:cNvPr id="0" name=""/>
-        <dsp:cNvSpPr/>
-      </dsp:nvSpPr>
-      <dsp:spPr>
-        <a:xfrm rot="10800000">
-          <a:off x="1072133" y="618743"/>
-          <a:ext cx="2837688" cy="1429512"/>
-        </a:xfrm>
-        <a:prstGeom prst="homePlate">
-          <a:avLst/>
-        </a:prstGeom>
-        <a:gradFill flip="none" rotWithShape="1">
-          <a:gsLst>
-            <a:gs pos="0">
-              <a:srgbClr val="FFCC66"/>
-            </a:gs>
-            <a:gs pos="100000">
-              <a:srgbClr val="FFFFFF"/>
-            </a:gs>
-          </a:gsLst>
-          <a:lin ang="16200000" scaled="0"/>
-          <a:tileRect/>
-        </a:gradFill>
-        <a:ln>
-          <a:noFill/>
-        </a:ln>
-        <a:effectLst>
-          <a:outerShdw blurRad="40000" dist="23000" dir="5400000" rotWithShape="0">
-            <a:srgbClr val="000000">
-              <a:alpha val="35000"/>
-            </a:srgbClr>
-          </a:outerShdw>
-        </a:effectLst>
-      </dsp:spPr>
-      <dsp:style>
-        <a:lnRef idx="0">
-          <a:scrgbClr r="0" g="0" b="0"/>
-        </a:lnRef>
-        <a:fillRef idx="3">
-          <a:scrgbClr r="0" g="0" b="0"/>
-        </a:fillRef>
-        <a:effectRef idx="2">
-          <a:scrgbClr r="0" g="0" b="0"/>
-        </a:effectRef>
-        <a:fontRef idx="minor">
-          <a:schemeClr val="lt1"/>
-        </a:fontRef>
-      </dsp:style>
-      <dsp:txBody>
-        <a:bodyPr spcFirstLastPara="0" vert="horz" wrap="square" lIns="630375" tIns="137160" rIns="256032" bIns="137160" numCol="1" spcCol="1270" anchor="ctr" anchorCtr="0">
-          <a:noAutofit/>
-        </a:bodyPr>
-        <a:lstStyle/>
-        <a:p>
-          <a:pPr lvl="0" algn="ctr" defTabSz="1600200">
-            <a:lnSpc>
-              <a:spcPct val="90000"/>
-            </a:lnSpc>
-            <a:spcBef>
-              <a:spcPct val="0"/>
-            </a:spcBef>
-            <a:spcAft>
-              <a:spcPct val="35000"/>
-            </a:spcAft>
-          </a:pPr>
-          <a:r>
-            <a:rPr lang="en-US" sz="3600" kern="1200" dirty="0" smtClean="0">
-              <a:solidFill>
-                <a:schemeClr val="tx1"/>
-              </a:solidFill>
-            </a:rPr>
-            <a:t>Annotare</a:t>
-          </a:r>
-          <a:endParaRPr lang="en-US" sz="3600" kern="1200" dirty="0">
-            <a:solidFill>
-              <a:schemeClr val="tx1"/>
-            </a:solidFill>
-          </a:endParaRPr>
-        </a:p>
-      </dsp:txBody>
-      <dsp:txXfrm rot="10800000">
-        <a:off x="1072133" y="618743"/>
-        <a:ext cx="2837688" cy="1429512"/>
-      </dsp:txXfrm>
-    </dsp:sp>
-    <dsp:sp modelId="{C9F606A1-DC72-3246-8B8C-8951A5C52150}">
-      <dsp:nvSpPr>
-        <dsp:cNvPr id="0" name=""/>
-        <dsp:cNvSpPr/>
-      </dsp:nvSpPr>
-      <dsp:spPr>
-        <a:xfrm>
-          <a:off x="357377" y="618743"/>
-          <a:ext cx="1429512" cy="1429512"/>
-        </a:xfrm>
-        <a:prstGeom prst="ellipse">
-          <a:avLst/>
-        </a:prstGeom>
-        <a:blipFill rotWithShape="0">
-          <a:blip xmlns:r="http://schemas.openxmlformats.org/officeDocument/2006/relationships" r:embed="rId1"/>
-          <a:stretch>
-            <a:fillRect/>
-          </a:stretch>
-        </a:blipFill>
-        <a:ln>
-          <a:noFill/>
-        </a:ln>
-        <a:effectLst>
-          <a:outerShdw blurRad="40000" dist="23000" dir="5400000" rotWithShape="0">
-            <a:srgbClr val="000000">
-              <a:alpha val="35000"/>
-            </a:srgbClr>
-          </a:outerShdw>
-        </a:effectLst>
-      </dsp:spPr>
-      <dsp:style>
-        <a:lnRef idx="0">
-          <a:scrgbClr r="0" g="0" b="0"/>
-        </a:lnRef>
-        <a:fillRef idx="1">
-          <a:scrgbClr r="0" g="0" b="0"/>
-        </a:fillRef>
-        <a:effectRef idx="2">
-          <a:scrgbClr r="0" g="0" b="0"/>
-        </a:effectRef>
-        <a:fontRef idx="minor"/>
-      </dsp:style>
-    </dsp:sp>
   </dsp:spTree>
 </dsp:drawing>
 </file>
@@ -17278,136 +16888,6 @@
       <dsp:cNvGrpSpPr/>
     </dsp:nvGrpSpPr>
     <dsp:grpSpPr/>
-    <dsp:sp modelId="{219A9598-0BC2-5245-8DC7-BDC783833612}">
-      <dsp:nvSpPr>
-        <dsp:cNvPr id="0" name=""/>
-        <dsp:cNvSpPr/>
-      </dsp:nvSpPr>
-      <dsp:spPr>
-        <a:xfrm rot="10800000">
-          <a:off x="1072133" y="618743"/>
-          <a:ext cx="2837688" cy="1429512"/>
-        </a:xfrm>
-        <a:prstGeom prst="homePlate">
-          <a:avLst/>
-        </a:prstGeom>
-        <a:gradFill flip="none" rotWithShape="1">
-          <a:gsLst>
-            <a:gs pos="0">
-              <a:srgbClr val="FFCC66"/>
-            </a:gs>
-            <a:gs pos="100000">
-              <a:srgbClr val="FFFFFF"/>
-            </a:gs>
-          </a:gsLst>
-          <a:lin ang="16200000" scaled="0"/>
-          <a:tileRect/>
-        </a:gradFill>
-        <a:ln>
-          <a:noFill/>
-        </a:ln>
-        <a:effectLst>
-          <a:outerShdw blurRad="40000" dist="23000" dir="5400000" rotWithShape="0">
-            <a:srgbClr val="000000">
-              <a:alpha val="35000"/>
-            </a:srgbClr>
-          </a:outerShdw>
-        </a:effectLst>
-      </dsp:spPr>
-      <dsp:style>
-        <a:lnRef idx="0">
-          <a:scrgbClr r="0" g="0" b="0"/>
-        </a:lnRef>
-        <a:fillRef idx="3">
-          <a:scrgbClr r="0" g="0" b="0"/>
-        </a:fillRef>
-        <a:effectRef idx="2">
-          <a:scrgbClr r="0" g="0" b="0"/>
-        </a:effectRef>
-        <a:fontRef idx="minor">
-          <a:schemeClr val="lt1"/>
-        </a:fontRef>
-      </dsp:style>
-      <dsp:txBody>
-        <a:bodyPr spcFirstLastPara="0" vert="horz" wrap="square" lIns="630375" tIns="137160" rIns="256032" bIns="137160" numCol="1" spcCol="1270" anchor="ctr" anchorCtr="0">
-          <a:noAutofit/>
-        </a:bodyPr>
-        <a:lstStyle/>
-        <a:p>
-          <a:pPr lvl="0" algn="ctr" defTabSz="1600200">
-            <a:lnSpc>
-              <a:spcPct val="90000"/>
-            </a:lnSpc>
-            <a:spcBef>
-              <a:spcPct val="0"/>
-            </a:spcBef>
-            <a:spcAft>
-              <a:spcPct val="35000"/>
-            </a:spcAft>
-          </a:pPr>
-          <a:r>
-            <a:rPr lang="en-US" sz="3600" kern="1200" dirty="0" smtClean="0">
-              <a:solidFill>
-                <a:schemeClr val="tx1"/>
-              </a:solidFill>
-            </a:rPr>
-            <a:t>Annotare</a:t>
-          </a:r>
-          <a:endParaRPr lang="en-US" sz="3600" kern="1200" dirty="0">
-            <a:solidFill>
-              <a:schemeClr val="tx1"/>
-            </a:solidFill>
-          </a:endParaRPr>
-        </a:p>
-      </dsp:txBody>
-      <dsp:txXfrm rot="10800000">
-        <a:off x="1072133" y="618743"/>
-        <a:ext cx="2837688" cy="1429512"/>
-      </dsp:txXfrm>
-    </dsp:sp>
-    <dsp:sp modelId="{C9F606A1-DC72-3246-8B8C-8951A5C52150}">
-      <dsp:nvSpPr>
-        <dsp:cNvPr id="0" name=""/>
-        <dsp:cNvSpPr/>
-      </dsp:nvSpPr>
-      <dsp:spPr>
-        <a:xfrm>
-          <a:off x="357377" y="618743"/>
-          <a:ext cx="1429512" cy="1429512"/>
-        </a:xfrm>
-        <a:prstGeom prst="ellipse">
-          <a:avLst/>
-        </a:prstGeom>
-        <a:blipFill rotWithShape="0">
-          <a:blip xmlns:r="http://schemas.openxmlformats.org/officeDocument/2006/relationships" r:embed="rId1"/>
-          <a:stretch>
-            <a:fillRect/>
-          </a:stretch>
-        </a:blipFill>
-        <a:ln>
-          <a:noFill/>
-        </a:ln>
-        <a:effectLst>
-          <a:outerShdw blurRad="40000" dist="23000" dir="5400000" rotWithShape="0">
-            <a:srgbClr val="000000">
-              <a:alpha val="35000"/>
-            </a:srgbClr>
-          </a:outerShdw>
-        </a:effectLst>
-      </dsp:spPr>
-      <dsp:style>
-        <a:lnRef idx="0">
-          <a:scrgbClr r="0" g="0" b="0"/>
-        </a:lnRef>
-        <a:fillRef idx="1">
-          <a:scrgbClr r="0" g="0" b="0"/>
-        </a:fillRef>
-        <a:effectRef idx="2">
-          <a:scrgbClr r="0" g="0" b="0"/>
-        </a:effectRef>
-        <a:fontRef idx="minor"/>
-      </dsp:style>
-    </dsp:sp>
   </dsp:spTree>
 </dsp:drawing>
 </file>
@@ -17420,136 +16900,6 @@
       <dsp:cNvGrpSpPr/>
     </dsp:nvGrpSpPr>
     <dsp:grpSpPr/>
-    <dsp:sp modelId="{219A9598-0BC2-5245-8DC7-BDC783833612}">
-      <dsp:nvSpPr>
-        <dsp:cNvPr id="0" name=""/>
-        <dsp:cNvSpPr/>
-      </dsp:nvSpPr>
-      <dsp:spPr>
-        <a:xfrm rot="10800000">
-          <a:off x="1072133" y="618743"/>
-          <a:ext cx="2837688" cy="1429512"/>
-        </a:xfrm>
-        <a:prstGeom prst="homePlate">
-          <a:avLst/>
-        </a:prstGeom>
-        <a:gradFill flip="none" rotWithShape="1">
-          <a:gsLst>
-            <a:gs pos="0">
-              <a:srgbClr val="FFCC66"/>
-            </a:gs>
-            <a:gs pos="100000">
-              <a:srgbClr val="FFFFFF"/>
-            </a:gs>
-          </a:gsLst>
-          <a:lin ang="16200000" scaled="0"/>
-          <a:tileRect/>
-        </a:gradFill>
-        <a:ln>
-          <a:noFill/>
-        </a:ln>
-        <a:effectLst>
-          <a:outerShdw blurRad="40000" dist="23000" dir="5400000" rotWithShape="0">
-            <a:srgbClr val="000000">
-              <a:alpha val="35000"/>
-            </a:srgbClr>
-          </a:outerShdw>
-        </a:effectLst>
-      </dsp:spPr>
-      <dsp:style>
-        <a:lnRef idx="0">
-          <a:scrgbClr r="0" g="0" b="0"/>
-        </a:lnRef>
-        <a:fillRef idx="3">
-          <a:scrgbClr r="0" g="0" b="0"/>
-        </a:fillRef>
-        <a:effectRef idx="2">
-          <a:scrgbClr r="0" g="0" b="0"/>
-        </a:effectRef>
-        <a:fontRef idx="minor">
-          <a:schemeClr val="lt1"/>
-        </a:fontRef>
-      </dsp:style>
-      <dsp:txBody>
-        <a:bodyPr spcFirstLastPara="0" vert="horz" wrap="square" lIns="630375" tIns="137160" rIns="256032" bIns="137160" numCol="1" spcCol="1270" anchor="ctr" anchorCtr="0">
-          <a:noAutofit/>
-        </a:bodyPr>
-        <a:lstStyle/>
-        <a:p>
-          <a:pPr lvl="0" algn="ctr" defTabSz="1600200">
-            <a:lnSpc>
-              <a:spcPct val="90000"/>
-            </a:lnSpc>
-            <a:spcBef>
-              <a:spcPct val="0"/>
-            </a:spcBef>
-            <a:spcAft>
-              <a:spcPct val="35000"/>
-            </a:spcAft>
-          </a:pPr>
-          <a:r>
-            <a:rPr lang="en-US" sz="3600" kern="1200" dirty="0" smtClean="0">
-              <a:solidFill>
-                <a:schemeClr val="tx1"/>
-              </a:solidFill>
-            </a:rPr>
-            <a:t>Annotare</a:t>
-          </a:r>
-          <a:endParaRPr lang="en-US" sz="3600" kern="1200" dirty="0">
-            <a:solidFill>
-              <a:schemeClr val="tx1"/>
-            </a:solidFill>
-          </a:endParaRPr>
-        </a:p>
-      </dsp:txBody>
-      <dsp:txXfrm rot="10800000">
-        <a:off x="1072133" y="618743"/>
-        <a:ext cx="2837688" cy="1429512"/>
-      </dsp:txXfrm>
-    </dsp:sp>
-    <dsp:sp modelId="{C9F606A1-DC72-3246-8B8C-8951A5C52150}">
-      <dsp:nvSpPr>
-        <dsp:cNvPr id="0" name=""/>
-        <dsp:cNvSpPr/>
-      </dsp:nvSpPr>
-      <dsp:spPr>
-        <a:xfrm>
-          <a:off x="357377" y="618743"/>
-          <a:ext cx="1429512" cy="1429512"/>
-        </a:xfrm>
-        <a:prstGeom prst="ellipse">
-          <a:avLst/>
-        </a:prstGeom>
-        <a:blipFill rotWithShape="0">
-          <a:blip xmlns:r="http://schemas.openxmlformats.org/officeDocument/2006/relationships" r:embed="rId1"/>
-          <a:stretch>
-            <a:fillRect/>
-          </a:stretch>
-        </a:blipFill>
-        <a:ln>
-          <a:noFill/>
-        </a:ln>
-        <a:effectLst>
-          <a:outerShdw blurRad="40000" dist="23000" dir="5400000" rotWithShape="0">
-            <a:srgbClr val="000000">
-              <a:alpha val="35000"/>
-            </a:srgbClr>
-          </a:outerShdw>
-        </a:effectLst>
-      </dsp:spPr>
-      <dsp:style>
-        <a:lnRef idx="0">
-          <a:scrgbClr r="0" g="0" b="0"/>
-        </a:lnRef>
-        <a:fillRef idx="1">
-          <a:scrgbClr r="0" g="0" b="0"/>
-        </a:fillRef>
-        <a:effectRef idx="2">
-          <a:scrgbClr r="0" g="0" b="0"/>
-        </a:effectRef>
-        <a:fontRef idx="minor"/>
-      </dsp:style>
-    </dsp:sp>
   </dsp:spTree>
 </dsp:drawing>
 </file>
@@ -17562,136 +16912,6 @@
       <dsp:cNvGrpSpPr/>
     </dsp:nvGrpSpPr>
     <dsp:grpSpPr/>
-    <dsp:sp modelId="{219A9598-0BC2-5245-8DC7-BDC783833612}">
-      <dsp:nvSpPr>
-        <dsp:cNvPr id="0" name=""/>
-        <dsp:cNvSpPr/>
-      </dsp:nvSpPr>
-      <dsp:spPr>
-        <a:xfrm rot="10800000">
-          <a:off x="1072133" y="618743"/>
-          <a:ext cx="2837688" cy="1429512"/>
-        </a:xfrm>
-        <a:prstGeom prst="homePlate">
-          <a:avLst/>
-        </a:prstGeom>
-        <a:gradFill flip="none" rotWithShape="1">
-          <a:gsLst>
-            <a:gs pos="0">
-              <a:srgbClr val="FFCC66"/>
-            </a:gs>
-            <a:gs pos="100000">
-              <a:srgbClr val="FFFFFF"/>
-            </a:gs>
-          </a:gsLst>
-          <a:lin ang="16200000" scaled="0"/>
-          <a:tileRect/>
-        </a:gradFill>
-        <a:ln>
-          <a:noFill/>
-        </a:ln>
-        <a:effectLst>
-          <a:outerShdw blurRad="40000" dist="23000" dir="5400000" rotWithShape="0">
-            <a:srgbClr val="000000">
-              <a:alpha val="35000"/>
-            </a:srgbClr>
-          </a:outerShdw>
-        </a:effectLst>
-      </dsp:spPr>
-      <dsp:style>
-        <a:lnRef idx="0">
-          <a:scrgbClr r="0" g="0" b="0"/>
-        </a:lnRef>
-        <a:fillRef idx="3">
-          <a:scrgbClr r="0" g="0" b="0"/>
-        </a:fillRef>
-        <a:effectRef idx="2">
-          <a:scrgbClr r="0" g="0" b="0"/>
-        </a:effectRef>
-        <a:fontRef idx="minor">
-          <a:schemeClr val="lt1"/>
-        </a:fontRef>
-      </dsp:style>
-      <dsp:txBody>
-        <a:bodyPr spcFirstLastPara="0" vert="horz" wrap="square" lIns="630375" tIns="137160" rIns="256032" bIns="137160" numCol="1" spcCol="1270" anchor="ctr" anchorCtr="0">
-          <a:noAutofit/>
-        </a:bodyPr>
-        <a:lstStyle/>
-        <a:p>
-          <a:pPr lvl="0" algn="ctr" defTabSz="1600200">
-            <a:lnSpc>
-              <a:spcPct val="90000"/>
-            </a:lnSpc>
-            <a:spcBef>
-              <a:spcPct val="0"/>
-            </a:spcBef>
-            <a:spcAft>
-              <a:spcPct val="35000"/>
-            </a:spcAft>
-          </a:pPr>
-          <a:r>
-            <a:rPr lang="en-US" sz="3600" kern="1200" dirty="0" smtClean="0">
-              <a:solidFill>
-                <a:schemeClr val="tx1"/>
-              </a:solidFill>
-            </a:rPr>
-            <a:t>Annotare</a:t>
-          </a:r>
-          <a:endParaRPr lang="en-US" sz="3600" kern="1200" dirty="0">
-            <a:solidFill>
-              <a:schemeClr val="tx1"/>
-            </a:solidFill>
-          </a:endParaRPr>
-        </a:p>
-      </dsp:txBody>
-      <dsp:txXfrm rot="10800000">
-        <a:off x="1072133" y="618743"/>
-        <a:ext cx="2837688" cy="1429512"/>
-      </dsp:txXfrm>
-    </dsp:sp>
-    <dsp:sp modelId="{C9F606A1-DC72-3246-8B8C-8951A5C52150}">
-      <dsp:nvSpPr>
-        <dsp:cNvPr id="0" name=""/>
-        <dsp:cNvSpPr/>
-      </dsp:nvSpPr>
-      <dsp:spPr>
-        <a:xfrm>
-          <a:off x="357377" y="618743"/>
-          <a:ext cx="1429512" cy="1429512"/>
-        </a:xfrm>
-        <a:prstGeom prst="ellipse">
-          <a:avLst/>
-        </a:prstGeom>
-        <a:blipFill rotWithShape="0">
-          <a:blip xmlns:r="http://schemas.openxmlformats.org/officeDocument/2006/relationships" r:embed="rId1"/>
-          <a:stretch>
-            <a:fillRect/>
-          </a:stretch>
-        </a:blipFill>
-        <a:ln>
-          <a:noFill/>
-        </a:ln>
-        <a:effectLst>
-          <a:outerShdw blurRad="40000" dist="23000" dir="5400000" rotWithShape="0">
-            <a:srgbClr val="000000">
-              <a:alpha val="35000"/>
-            </a:srgbClr>
-          </a:outerShdw>
-        </a:effectLst>
-      </dsp:spPr>
-      <dsp:style>
-        <a:lnRef idx="0">
-          <a:scrgbClr r="0" g="0" b="0"/>
-        </a:lnRef>
-        <a:fillRef idx="1">
-          <a:scrgbClr r="0" g="0" b="0"/>
-        </a:fillRef>
-        <a:effectRef idx="2">
-          <a:scrgbClr r="0" g="0" b="0"/>
-        </a:effectRef>
-        <a:fontRef idx="minor"/>
-      </dsp:style>
-    </dsp:sp>
   </dsp:spTree>
 </dsp:drawing>
 </file>
@@ -17704,136 +16924,6 @@
       <dsp:cNvGrpSpPr/>
     </dsp:nvGrpSpPr>
     <dsp:grpSpPr/>
-    <dsp:sp modelId="{219A9598-0BC2-5245-8DC7-BDC783833612}">
-      <dsp:nvSpPr>
-        <dsp:cNvPr id="0" name=""/>
-        <dsp:cNvSpPr/>
-      </dsp:nvSpPr>
-      <dsp:spPr>
-        <a:xfrm rot="10800000">
-          <a:off x="1072133" y="618743"/>
-          <a:ext cx="2837688" cy="1429512"/>
-        </a:xfrm>
-        <a:prstGeom prst="homePlate">
-          <a:avLst/>
-        </a:prstGeom>
-        <a:gradFill flip="none" rotWithShape="1">
-          <a:gsLst>
-            <a:gs pos="0">
-              <a:srgbClr val="FFCC66"/>
-            </a:gs>
-            <a:gs pos="100000">
-              <a:srgbClr val="FFFFFF"/>
-            </a:gs>
-          </a:gsLst>
-          <a:lin ang="16200000" scaled="0"/>
-          <a:tileRect/>
-        </a:gradFill>
-        <a:ln>
-          <a:noFill/>
-        </a:ln>
-        <a:effectLst>
-          <a:outerShdw blurRad="40000" dist="23000" dir="5400000" rotWithShape="0">
-            <a:srgbClr val="000000">
-              <a:alpha val="35000"/>
-            </a:srgbClr>
-          </a:outerShdw>
-        </a:effectLst>
-      </dsp:spPr>
-      <dsp:style>
-        <a:lnRef idx="0">
-          <a:scrgbClr r="0" g="0" b="0"/>
-        </a:lnRef>
-        <a:fillRef idx="3">
-          <a:scrgbClr r="0" g="0" b="0"/>
-        </a:fillRef>
-        <a:effectRef idx="2">
-          <a:scrgbClr r="0" g="0" b="0"/>
-        </a:effectRef>
-        <a:fontRef idx="minor">
-          <a:schemeClr val="lt1"/>
-        </a:fontRef>
-      </dsp:style>
-      <dsp:txBody>
-        <a:bodyPr spcFirstLastPara="0" vert="horz" wrap="square" lIns="630375" tIns="137160" rIns="256032" bIns="137160" numCol="1" spcCol="1270" anchor="ctr" anchorCtr="0">
-          <a:noAutofit/>
-        </a:bodyPr>
-        <a:lstStyle/>
-        <a:p>
-          <a:pPr lvl="0" algn="ctr" defTabSz="1600200">
-            <a:lnSpc>
-              <a:spcPct val="90000"/>
-            </a:lnSpc>
-            <a:spcBef>
-              <a:spcPct val="0"/>
-            </a:spcBef>
-            <a:spcAft>
-              <a:spcPct val="35000"/>
-            </a:spcAft>
-          </a:pPr>
-          <a:r>
-            <a:rPr lang="en-US" sz="3600" kern="1200" dirty="0" smtClean="0">
-              <a:solidFill>
-                <a:schemeClr val="tx1"/>
-              </a:solidFill>
-            </a:rPr>
-            <a:t>Annotare</a:t>
-          </a:r>
-          <a:endParaRPr lang="en-US" sz="3600" kern="1200" dirty="0">
-            <a:solidFill>
-              <a:schemeClr val="tx1"/>
-            </a:solidFill>
-          </a:endParaRPr>
-        </a:p>
-      </dsp:txBody>
-      <dsp:txXfrm rot="10800000">
-        <a:off x="1072133" y="618743"/>
-        <a:ext cx="2837688" cy="1429512"/>
-      </dsp:txXfrm>
-    </dsp:sp>
-    <dsp:sp modelId="{C9F606A1-DC72-3246-8B8C-8951A5C52150}">
-      <dsp:nvSpPr>
-        <dsp:cNvPr id="0" name=""/>
-        <dsp:cNvSpPr/>
-      </dsp:nvSpPr>
-      <dsp:spPr>
-        <a:xfrm>
-          <a:off x="357377" y="618743"/>
-          <a:ext cx="1429512" cy="1429512"/>
-        </a:xfrm>
-        <a:prstGeom prst="ellipse">
-          <a:avLst/>
-        </a:prstGeom>
-        <a:blipFill rotWithShape="0">
-          <a:blip xmlns:r="http://schemas.openxmlformats.org/officeDocument/2006/relationships" r:embed="rId1"/>
-          <a:stretch>
-            <a:fillRect/>
-          </a:stretch>
-        </a:blipFill>
-        <a:ln>
-          <a:noFill/>
-        </a:ln>
-        <a:effectLst>
-          <a:outerShdw blurRad="40000" dist="23000" dir="5400000" rotWithShape="0">
-            <a:srgbClr val="000000">
-              <a:alpha val="35000"/>
-            </a:srgbClr>
-          </a:outerShdw>
-        </a:effectLst>
-      </dsp:spPr>
-      <dsp:style>
-        <a:lnRef idx="0">
-          <a:scrgbClr r="0" g="0" b="0"/>
-        </a:lnRef>
-        <a:fillRef idx="1">
-          <a:scrgbClr r="0" g="0" b="0"/>
-        </a:fillRef>
-        <a:effectRef idx="2">
-          <a:scrgbClr r="0" g="0" b="0"/>
-        </a:effectRef>
-        <a:fontRef idx="minor"/>
-      </dsp:style>
-    </dsp:sp>
   </dsp:spTree>
 </dsp:drawing>
 </file>
@@ -17846,136 +16936,6 @@
       <dsp:cNvGrpSpPr/>
     </dsp:nvGrpSpPr>
     <dsp:grpSpPr/>
-    <dsp:sp modelId="{219A9598-0BC2-5245-8DC7-BDC783833612}">
-      <dsp:nvSpPr>
-        <dsp:cNvPr id="0" name=""/>
-        <dsp:cNvSpPr/>
-      </dsp:nvSpPr>
-      <dsp:spPr>
-        <a:xfrm rot="10800000">
-          <a:off x="1072133" y="618743"/>
-          <a:ext cx="2837688" cy="1429512"/>
-        </a:xfrm>
-        <a:prstGeom prst="homePlate">
-          <a:avLst/>
-        </a:prstGeom>
-        <a:gradFill flip="none" rotWithShape="1">
-          <a:gsLst>
-            <a:gs pos="0">
-              <a:srgbClr val="FFCC66"/>
-            </a:gs>
-            <a:gs pos="100000">
-              <a:srgbClr val="FFFFFF"/>
-            </a:gs>
-          </a:gsLst>
-          <a:lin ang="16200000" scaled="0"/>
-          <a:tileRect/>
-        </a:gradFill>
-        <a:ln>
-          <a:noFill/>
-        </a:ln>
-        <a:effectLst>
-          <a:outerShdw blurRad="40000" dist="23000" dir="5400000" rotWithShape="0">
-            <a:srgbClr val="000000">
-              <a:alpha val="35000"/>
-            </a:srgbClr>
-          </a:outerShdw>
-        </a:effectLst>
-      </dsp:spPr>
-      <dsp:style>
-        <a:lnRef idx="0">
-          <a:scrgbClr r="0" g="0" b="0"/>
-        </a:lnRef>
-        <a:fillRef idx="3">
-          <a:scrgbClr r="0" g="0" b="0"/>
-        </a:fillRef>
-        <a:effectRef idx="2">
-          <a:scrgbClr r="0" g="0" b="0"/>
-        </a:effectRef>
-        <a:fontRef idx="minor">
-          <a:schemeClr val="lt1"/>
-        </a:fontRef>
-      </dsp:style>
-      <dsp:txBody>
-        <a:bodyPr spcFirstLastPara="0" vert="horz" wrap="square" lIns="630375" tIns="137160" rIns="256032" bIns="137160" numCol="1" spcCol="1270" anchor="ctr" anchorCtr="0">
-          <a:noAutofit/>
-        </a:bodyPr>
-        <a:lstStyle/>
-        <a:p>
-          <a:pPr lvl="0" algn="ctr" defTabSz="1600200">
-            <a:lnSpc>
-              <a:spcPct val="90000"/>
-            </a:lnSpc>
-            <a:spcBef>
-              <a:spcPct val="0"/>
-            </a:spcBef>
-            <a:spcAft>
-              <a:spcPct val="35000"/>
-            </a:spcAft>
-          </a:pPr>
-          <a:r>
-            <a:rPr lang="en-US" sz="3600" kern="1200" dirty="0" smtClean="0">
-              <a:solidFill>
-                <a:schemeClr val="tx1"/>
-              </a:solidFill>
-            </a:rPr>
-            <a:t>Annotare</a:t>
-          </a:r>
-          <a:endParaRPr lang="en-US" sz="3600" kern="1200" dirty="0">
-            <a:solidFill>
-              <a:schemeClr val="tx1"/>
-            </a:solidFill>
-          </a:endParaRPr>
-        </a:p>
-      </dsp:txBody>
-      <dsp:txXfrm rot="10800000">
-        <a:off x="1072133" y="618743"/>
-        <a:ext cx="2837688" cy="1429512"/>
-      </dsp:txXfrm>
-    </dsp:sp>
-    <dsp:sp modelId="{C9F606A1-DC72-3246-8B8C-8951A5C52150}">
-      <dsp:nvSpPr>
-        <dsp:cNvPr id="0" name=""/>
-        <dsp:cNvSpPr/>
-      </dsp:nvSpPr>
-      <dsp:spPr>
-        <a:xfrm>
-          <a:off x="357377" y="618743"/>
-          <a:ext cx="1429512" cy="1429512"/>
-        </a:xfrm>
-        <a:prstGeom prst="ellipse">
-          <a:avLst/>
-        </a:prstGeom>
-        <a:blipFill rotWithShape="0">
-          <a:blip xmlns:r="http://schemas.openxmlformats.org/officeDocument/2006/relationships" r:embed="rId1"/>
-          <a:stretch>
-            <a:fillRect/>
-          </a:stretch>
-        </a:blipFill>
-        <a:ln>
-          <a:noFill/>
-        </a:ln>
-        <a:effectLst>
-          <a:outerShdw blurRad="40000" dist="23000" dir="5400000" rotWithShape="0">
-            <a:srgbClr val="000000">
-              <a:alpha val="35000"/>
-            </a:srgbClr>
-          </a:outerShdw>
-        </a:effectLst>
-      </dsp:spPr>
-      <dsp:style>
-        <a:lnRef idx="0">
-          <a:scrgbClr r="0" g="0" b="0"/>
-        </a:lnRef>
-        <a:fillRef idx="1">
-          <a:scrgbClr r="0" g="0" b="0"/>
-        </a:fillRef>
-        <a:effectRef idx="2">
-          <a:scrgbClr r="0" g="0" b="0"/>
-        </a:effectRef>
-        <a:fontRef idx="minor"/>
-      </dsp:style>
-    </dsp:sp>
   </dsp:spTree>
 </dsp:drawing>
 </file>
@@ -17988,136 +16948,6 @@
       <dsp:cNvGrpSpPr/>
     </dsp:nvGrpSpPr>
     <dsp:grpSpPr/>
-    <dsp:sp modelId="{219A9598-0BC2-5245-8DC7-BDC783833612}">
-      <dsp:nvSpPr>
-        <dsp:cNvPr id="0" name=""/>
-        <dsp:cNvSpPr/>
-      </dsp:nvSpPr>
-      <dsp:spPr>
-        <a:xfrm rot="10800000">
-          <a:off x="1072133" y="618743"/>
-          <a:ext cx="2837688" cy="1429512"/>
-        </a:xfrm>
-        <a:prstGeom prst="homePlate">
-          <a:avLst/>
-        </a:prstGeom>
-        <a:gradFill flip="none" rotWithShape="1">
-          <a:gsLst>
-            <a:gs pos="0">
-              <a:srgbClr val="FFCC66"/>
-            </a:gs>
-            <a:gs pos="100000">
-              <a:srgbClr val="FFFFFF"/>
-            </a:gs>
-          </a:gsLst>
-          <a:lin ang="16200000" scaled="0"/>
-          <a:tileRect/>
-        </a:gradFill>
-        <a:ln>
-          <a:noFill/>
-        </a:ln>
-        <a:effectLst>
-          <a:outerShdw blurRad="40000" dist="23000" dir="5400000" rotWithShape="0">
-            <a:srgbClr val="000000">
-              <a:alpha val="35000"/>
-            </a:srgbClr>
-          </a:outerShdw>
-        </a:effectLst>
-      </dsp:spPr>
-      <dsp:style>
-        <a:lnRef idx="0">
-          <a:scrgbClr r="0" g="0" b="0"/>
-        </a:lnRef>
-        <a:fillRef idx="3">
-          <a:scrgbClr r="0" g="0" b="0"/>
-        </a:fillRef>
-        <a:effectRef idx="2">
-          <a:scrgbClr r="0" g="0" b="0"/>
-        </a:effectRef>
-        <a:fontRef idx="minor">
-          <a:schemeClr val="lt1"/>
-        </a:fontRef>
-      </dsp:style>
-      <dsp:txBody>
-        <a:bodyPr spcFirstLastPara="0" vert="horz" wrap="square" lIns="630375" tIns="137160" rIns="256032" bIns="137160" numCol="1" spcCol="1270" anchor="ctr" anchorCtr="0">
-          <a:noAutofit/>
-        </a:bodyPr>
-        <a:lstStyle/>
-        <a:p>
-          <a:pPr lvl="0" algn="ctr" defTabSz="1600200">
-            <a:lnSpc>
-              <a:spcPct val="90000"/>
-            </a:lnSpc>
-            <a:spcBef>
-              <a:spcPct val="0"/>
-            </a:spcBef>
-            <a:spcAft>
-              <a:spcPct val="35000"/>
-            </a:spcAft>
-          </a:pPr>
-          <a:r>
-            <a:rPr lang="en-US" sz="3600" kern="1200" dirty="0" smtClean="0">
-              <a:solidFill>
-                <a:schemeClr val="tx1"/>
-              </a:solidFill>
-            </a:rPr>
-            <a:t>Annotare</a:t>
-          </a:r>
-          <a:endParaRPr lang="en-US" sz="3600" kern="1200" dirty="0">
-            <a:solidFill>
-              <a:schemeClr val="tx1"/>
-            </a:solidFill>
-          </a:endParaRPr>
-        </a:p>
-      </dsp:txBody>
-      <dsp:txXfrm rot="10800000">
-        <a:off x="1072133" y="618743"/>
-        <a:ext cx="2837688" cy="1429512"/>
-      </dsp:txXfrm>
-    </dsp:sp>
-    <dsp:sp modelId="{C9F606A1-DC72-3246-8B8C-8951A5C52150}">
-      <dsp:nvSpPr>
-        <dsp:cNvPr id="0" name=""/>
-        <dsp:cNvSpPr/>
-      </dsp:nvSpPr>
-      <dsp:spPr>
-        <a:xfrm>
-          <a:off x="357377" y="618743"/>
-          <a:ext cx="1429512" cy="1429512"/>
-        </a:xfrm>
-        <a:prstGeom prst="ellipse">
-          <a:avLst/>
-        </a:prstGeom>
-        <a:blipFill rotWithShape="0">
-          <a:blip xmlns:r="http://schemas.openxmlformats.org/officeDocument/2006/relationships" r:embed="rId1"/>
-          <a:stretch>
-            <a:fillRect/>
-          </a:stretch>
-        </a:blipFill>
-        <a:ln>
-          <a:noFill/>
-        </a:ln>
-        <a:effectLst>
-          <a:outerShdw blurRad="40000" dist="23000" dir="5400000" rotWithShape="0">
-            <a:srgbClr val="000000">
-              <a:alpha val="35000"/>
-            </a:srgbClr>
-          </a:outerShdw>
-        </a:effectLst>
-      </dsp:spPr>
-      <dsp:style>
-        <a:lnRef idx="0">
-          <a:scrgbClr r="0" g="0" b="0"/>
-        </a:lnRef>
-        <a:fillRef idx="1">
-          <a:scrgbClr r="0" g="0" b="0"/>
-        </a:fillRef>
-        <a:effectRef idx="2">
-          <a:scrgbClr r="0" g="0" b="0"/>
-        </a:effectRef>
-        <a:fontRef idx="minor"/>
-      </dsp:style>
-    </dsp:sp>
   </dsp:spTree>
 </dsp:drawing>
 </file>
@@ -18130,136 +16960,6 @@
       <dsp:cNvGrpSpPr/>
     </dsp:nvGrpSpPr>
     <dsp:grpSpPr/>
-    <dsp:sp modelId="{219A9598-0BC2-5245-8DC7-BDC783833612}">
-      <dsp:nvSpPr>
-        <dsp:cNvPr id="0" name=""/>
-        <dsp:cNvSpPr/>
-      </dsp:nvSpPr>
-      <dsp:spPr>
-        <a:xfrm rot="10800000">
-          <a:off x="1072133" y="618743"/>
-          <a:ext cx="2837688" cy="1429512"/>
-        </a:xfrm>
-        <a:prstGeom prst="homePlate">
-          <a:avLst/>
-        </a:prstGeom>
-        <a:gradFill flip="none" rotWithShape="1">
-          <a:gsLst>
-            <a:gs pos="0">
-              <a:srgbClr val="FFCC66"/>
-            </a:gs>
-            <a:gs pos="100000">
-              <a:srgbClr val="FFFFFF"/>
-            </a:gs>
-          </a:gsLst>
-          <a:lin ang="16200000" scaled="0"/>
-          <a:tileRect/>
-        </a:gradFill>
-        <a:ln>
-          <a:noFill/>
-        </a:ln>
-        <a:effectLst>
-          <a:outerShdw blurRad="40000" dist="23000" dir="5400000" rotWithShape="0">
-            <a:srgbClr val="000000">
-              <a:alpha val="35000"/>
-            </a:srgbClr>
-          </a:outerShdw>
-        </a:effectLst>
-      </dsp:spPr>
-      <dsp:style>
-        <a:lnRef idx="0">
-          <a:scrgbClr r="0" g="0" b="0"/>
-        </a:lnRef>
-        <a:fillRef idx="3">
-          <a:scrgbClr r="0" g="0" b="0"/>
-        </a:fillRef>
-        <a:effectRef idx="2">
-          <a:scrgbClr r="0" g="0" b="0"/>
-        </a:effectRef>
-        <a:fontRef idx="minor">
-          <a:schemeClr val="lt1"/>
-        </a:fontRef>
-      </dsp:style>
-      <dsp:txBody>
-        <a:bodyPr spcFirstLastPara="0" vert="horz" wrap="square" lIns="630375" tIns="137160" rIns="256032" bIns="137160" numCol="1" spcCol="1270" anchor="ctr" anchorCtr="0">
-          <a:noAutofit/>
-        </a:bodyPr>
-        <a:lstStyle/>
-        <a:p>
-          <a:pPr lvl="0" algn="ctr" defTabSz="1600200">
-            <a:lnSpc>
-              <a:spcPct val="90000"/>
-            </a:lnSpc>
-            <a:spcBef>
-              <a:spcPct val="0"/>
-            </a:spcBef>
-            <a:spcAft>
-              <a:spcPct val="35000"/>
-            </a:spcAft>
-          </a:pPr>
-          <a:r>
-            <a:rPr lang="en-US" sz="3600" kern="1200" dirty="0" smtClean="0">
-              <a:solidFill>
-                <a:schemeClr val="tx1"/>
-              </a:solidFill>
-            </a:rPr>
-            <a:t>Annotare</a:t>
-          </a:r>
-          <a:endParaRPr lang="en-US" sz="3600" kern="1200" dirty="0">
-            <a:solidFill>
-              <a:schemeClr val="tx1"/>
-            </a:solidFill>
-          </a:endParaRPr>
-        </a:p>
-      </dsp:txBody>
-      <dsp:txXfrm rot="10800000">
-        <a:off x="1072133" y="618743"/>
-        <a:ext cx="2837688" cy="1429512"/>
-      </dsp:txXfrm>
-    </dsp:sp>
-    <dsp:sp modelId="{C9F606A1-DC72-3246-8B8C-8951A5C52150}">
-      <dsp:nvSpPr>
-        <dsp:cNvPr id="0" name=""/>
-        <dsp:cNvSpPr/>
-      </dsp:nvSpPr>
-      <dsp:spPr>
-        <a:xfrm>
-          <a:off x="357377" y="618743"/>
-          <a:ext cx="1429512" cy="1429512"/>
-        </a:xfrm>
-        <a:prstGeom prst="ellipse">
-          <a:avLst/>
-        </a:prstGeom>
-        <a:blipFill rotWithShape="0">
-          <a:blip xmlns:r="http://schemas.openxmlformats.org/officeDocument/2006/relationships" r:embed="rId1"/>
-          <a:stretch>
-            <a:fillRect/>
-          </a:stretch>
-        </a:blipFill>
-        <a:ln>
-          <a:noFill/>
-        </a:ln>
-        <a:effectLst>
-          <a:outerShdw blurRad="40000" dist="23000" dir="5400000" rotWithShape="0">
-            <a:srgbClr val="000000">
-              <a:alpha val="35000"/>
-            </a:srgbClr>
-          </a:outerShdw>
-        </a:effectLst>
-      </dsp:spPr>
-      <dsp:style>
-        <a:lnRef idx="0">
-          <a:scrgbClr r="0" g="0" b="0"/>
-        </a:lnRef>
-        <a:fillRef idx="1">
-          <a:scrgbClr r="0" g="0" b="0"/>
-        </a:fillRef>
-        <a:effectRef idx="2">
-          <a:scrgbClr r="0" g="0" b="0"/>
-        </a:effectRef>
-        <a:fontRef idx="minor"/>
-      </dsp:style>
-    </dsp:sp>
   </dsp:spTree>
 </dsp:drawing>
 </file>
@@ -18414,136 +17114,6 @@
       <dsp:cNvGrpSpPr/>
     </dsp:nvGrpSpPr>
     <dsp:grpSpPr/>
-    <dsp:sp modelId="{219A9598-0BC2-5245-8DC7-BDC783833612}">
-      <dsp:nvSpPr>
-        <dsp:cNvPr id="0" name=""/>
-        <dsp:cNvSpPr/>
-      </dsp:nvSpPr>
-      <dsp:spPr>
-        <a:xfrm rot="10800000">
-          <a:off x="1072133" y="618743"/>
-          <a:ext cx="2837688" cy="1429512"/>
-        </a:xfrm>
-        <a:prstGeom prst="homePlate">
-          <a:avLst/>
-        </a:prstGeom>
-        <a:gradFill flip="none" rotWithShape="1">
-          <a:gsLst>
-            <a:gs pos="0">
-              <a:srgbClr val="FFCC66"/>
-            </a:gs>
-            <a:gs pos="100000">
-              <a:srgbClr val="FFFFFF"/>
-            </a:gs>
-          </a:gsLst>
-          <a:lin ang="16200000" scaled="0"/>
-          <a:tileRect/>
-        </a:gradFill>
-        <a:ln>
-          <a:noFill/>
-        </a:ln>
-        <a:effectLst>
-          <a:outerShdw blurRad="40000" dist="23000" dir="5400000" rotWithShape="0">
-            <a:srgbClr val="000000">
-              <a:alpha val="35000"/>
-            </a:srgbClr>
-          </a:outerShdw>
-        </a:effectLst>
-      </dsp:spPr>
-      <dsp:style>
-        <a:lnRef idx="0">
-          <a:scrgbClr r="0" g="0" b="0"/>
-        </a:lnRef>
-        <a:fillRef idx="3">
-          <a:scrgbClr r="0" g="0" b="0"/>
-        </a:fillRef>
-        <a:effectRef idx="2">
-          <a:scrgbClr r="0" g="0" b="0"/>
-        </a:effectRef>
-        <a:fontRef idx="minor">
-          <a:schemeClr val="lt1"/>
-        </a:fontRef>
-      </dsp:style>
-      <dsp:txBody>
-        <a:bodyPr spcFirstLastPara="0" vert="horz" wrap="square" lIns="630375" tIns="137160" rIns="256032" bIns="137160" numCol="1" spcCol="1270" anchor="ctr" anchorCtr="0">
-          <a:noAutofit/>
-        </a:bodyPr>
-        <a:lstStyle/>
-        <a:p>
-          <a:pPr lvl="0" algn="ctr" defTabSz="1600200">
-            <a:lnSpc>
-              <a:spcPct val="90000"/>
-            </a:lnSpc>
-            <a:spcBef>
-              <a:spcPct val="0"/>
-            </a:spcBef>
-            <a:spcAft>
-              <a:spcPct val="35000"/>
-            </a:spcAft>
-          </a:pPr>
-          <a:r>
-            <a:rPr lang="en-US" sz="3600" kern="1200" dirty="0" smtClean="0">
-              <a:solidFill>
-                <a:schemeClr val="tx1"/>
-              </a:solidFill>
-            </a:rPr>
-            <a:t>Annotare</a:t>
-          </a:r>
-          <a:endParaRPr lang="en-US" sz="3600" kern="1200" dirty="0">
-            <a:solidFill>
-              <a:schemeClr val="tx1"/>
-            </a:solidFill>
-          </a:endParaRPr>
-        </a:p>
-      </dsp:txBody>
-      <dsp:txXfrm rot="10800000">
-        <a:off x="1072133" y="618743"/>
-        <a:ext cx="2837688" cy="1429512"/>
-      </dsp:txXfrm>
-    </dsp:sp>
-    <dsp:sp modelId="{C9F606A1-DC72-3246-8B8C-8951A5C52150}">
-      <dsp:nvSpPr>
-        <dsp:cNvPr id="0" name=""/>
-        <dsp:cNvSpPr/>
-      </dsp:nvSpPr>
-      <dsp:spPr>
-        <a:xfrm>
-          <a:off x="357377" y="618743"/>
-          <a:ext cx="1429512" cy="1429512"/>
-        </a:xfrm>
-        <a:prstGeom prst="ellipse">
-          <a:avLst/>
-        </a:prstGeom>
-        <a:blipFill rotWithShape="0">
-          <a:blip xmlns:r="http://schemas.openxmlformats.org/officeDocument/2006/relationships" r:embed="rId1"/>
-          <a:stretch>
-            <a:fillRect/>
-          </a:stretch>
-        </a:blipFill>
-        <a:ln>
-          <a:noFill/>
-        </a:ln>
-        <a:effectLst>
-          <a:outerShdw blurRad="40000" dist="23000" dir="5400000" rotWithShape="0">
-            <a:srgbClr val="000000">
-              <a:alpha val="35000"/>
-            </a:srgbClr>
-          </a:outerShdw>
-        </a:effectLst>
-      </dsp:spPr>
-      <dsp:style>
-        <a:lnRef idx="0">
-          <a:scrgbClr r="0" g="0" b="0"/>
-        </a:lnRef>
-        <a:fillRef idx="1">
-          <a:scrgbClr r="0" g="0" b="0"/>
-        </a:fillRef>
-        <a:effectRef idx="2">
-          <a:scrgbClr r="0" g="0" b="0"/>
-        </a:effectRef>
-        <a:fontRef idx="minor"/>
-      </dsp:style>
-    </dsp:sp>
   </dsp:spTree>
 </dsp:drawing>
 </file>
@@ -18556,136 +17126,6 @@
       <dsp:cNvGrpSpPr/>
     </dsp:nvGrpSpPr>
     <dsp:grpSpPr/>
-    <dsp:sp modelId="{219A9598-0BC2-5245-8DC7-BDC783833612}">
-      <dsp:nvSpPr>
-        <dsp:cNvPr id="0" name=""/>
-        <dsp:cNvSpPr/>
-      </dsp:nvSpPr>
-      <dsp:spPr>
-        <a:xfrm rot="10800000">
-          <a:off x="1072133" y="618743"/>
-          <a:ext cx="2837688" cy="1429512"/>
-        </a:xfrm>
-        <a:prstGeom prst="homePlate">
-          <a:avLst/>
-        </a:prstGeom>
-        <a:gradFill flip="none" rotWithShape="1">
-          <a:gsLst>
-            <a:gs pos="0">
-              <a:srgbClr val="FFCC66"/>
-            </a:gs>
-            <a:gs pos="100000">
-              <a:srgbClr val="FFFFFF"/>
-            </a:gs>
-          </a:gsLst>
-          <a:lin ang="16200000" scaled="0"/>
-          <a:tileRect/>
-        </a:gradFill>
-        <a:ln>
-          <a:noFill/>
-        </a:ln>
-        <a:effectLst>
-          <a:outerShdw blurRad="40000" dist="23000" dir="5400000" rotWithShape="0">
-            <a:srgbClr val="000000">
-              <a:alpha val="35000"/>
-            </a:srgbClr>
-          </a:outerShdw>
-        </a:effectLst>
-      </dsp:spPr>
-      <dsp:style>
-        <a:lnRef idx="0">
-          <a:scrgbClr r="0" g="0" b="0"/>
-        </a:lnRef>
-        <a:fillRef idx="3">
-          <a:scrgbClr r="0" g="0" b="0"/>
-        </a:fillRef>
-        <a:effectRef idx="2">
-          <a:scrgbClr r="0" g="0" b="0"/>
-        </a:effectRef>
-        <a:fontRef idx="minor">
-          <a:schemeClr val="lt1"/>
-        </a:fontRef>
-      </dsp:style>
-      <dsp:txBody>
-        <a:bodyPr spcFirstLastPara="0" vert="horz" wrap="square" lIns="630375" tIns="137160" rIns="256032" bIns="137160" numCol="1" spcCol="1270" anchor="ctr" anchorCtr="0">
-          <a:noAutofit/>
-        </a:bodyPr>
-        <a:lstStyle/>
-        <a:p>
-          <a:pPr lvl="0" algn="ctr" defTabSz="1600200">
-            <a:lnSpc>
-              <a:spcPct val="90000"/>
-            </a:lnSpc>
-            <a:spcBef>
-              <a:spcPct val="0"/>
-            </a:spcBef>
-            <a:spcAft>
-              <a:spcPct val="35000"/>
-            </a:spcAft>
-          </a:pPr>
-          <a:r>
-            <a:rPr lang="en-US" sz="3600" kern="1200" dirty="0" smtClean="0">
-              <a:solidFill>
-                <a:schemeClr val="tx1"/>
-              </a:solidFill>
-            </a:rPr>
-            <a:t>Annotare</a:t>
-          </a:r>
-          <a:endParaRPr lang="en-US" sz="3600" kern="1200" dirty="0">
-            <a:solidFill>
-              <a:schemeClr val="tx1"/>
-            </a:solidFill>
-          </a:endParaRPr>
-        </a:p>
-      </dsp:txBody>
-      <dsp:txXfrm rot="10800000">
-        <a:off x="1072133" y="618743"/>
-        <a:ext cx="2837688" cy="1429512"/>
-      </dsp:txXfrm>
-    </dsp:sp>
-    <dsp:sp modelId="{C9F606A1-DC72-3246-8B8C-8951A5C52150}">
-      <dsp:nvSpPr>
-        <dsp:cNvPr id="0" name=""/>
-        <dsp:cNvSpPr/>
-      </dsp:nvSpPr>
-      <dsp:spPr>
-        <a:xfrm>
-          <a:off x="357377" y="618743"/>
-          <a:ext cx="1429512" cy="1429512"/>
-        </a:xfrm>
-        <a:prstGeom prst="ellipse">
-          <a:avLst/>
-        </a:prstGeom>
-        <a:blipFill rotWithShape="0">
-          <a:blip xmlns:r="http://schemas.openxmlformats.org/officeDocument/2006/relationships" r:embed="rId1"/>
-          <a:stretch>
-            <a:fillRect/>
-          </a:stretch>
-        </a:blipFill>
-        <a:ln>
-          <a:noFill/>
-        </a:ln>
-        <a:effectLst>
-          <a:outerShdw blurRad="40000" dist="23000" dir="5400000" rotWithShape="0">
-            <a:srgbClr val="000000">
-              <a:alpha val="35000"/>
-            </a:srgbClr>
-          </a:outerShdw>
-        </a:effectLst>
-      </dsp:spPr>
-      <dsp:style>
-        <a:lnRef idx="0">
-          <a:scrgbClr r="0" g="0" b="0"/>
-        </a:lnRef>
-        <a:fillRef idx="1">
-          <a:scrgbClr r="0" g="0" b="0"/>
-        </a:fillRef>
-        <a:effectRef idx="2">
-          <a:scrgbClr r="0" g="0" b="0"/>
-        </a:effectRef>
-        <a:fontRef idx="minor"/>
-      </dsp:style>
-    </dsp:sp>
   </dsp:spTree>
 </dsp:drawing>
 </file>
@@ -18698,136 +17138,6 @@
       <dsp:cNvGrpSpPr/>
     </dsp:nvGrpSpPr>
     <dsp:grpSpPr/>
-    <dsp:sp modelId="{219A9598-0BC2-5245-8DC7-BDC783833612}">
-      <dsp:nvSpPr>
-        <dsp:cNvPr id="0" name=""/>
-        <dsp:cNvSpPr/>
-      </dsp:nvSpPr>
-      <dsp:spPr>
-        <a:xfrm rot="10800000">
-          <a:off x="1072133" y="618743"/>
-          <a:ext cx="2837688" cy="1429512"/>
-        </a:xfrm>
-        <a:prstGeom prst="homePlate">
-          <a:avLst/>
-        </a:prstGeom>
-        <a:gradFill flip="none" rotWithShape="1">
-          <a:gsLst>
-            <a:gs pos="0">
-              <a:srgbClr val="FFCC66"/>
-            </a:gs>
-            <a:gs pos="100000">
-              <a:srgbClr val="FFFFFF"/>
-            </a:gs>
-          </a:gsLst>
-          <a:lin ang="16200000" scaled="0"/>
-          <a:tileRect/>
-        </a:gradFill>
-        <a:ln>
-          <a:noFill/>
-        </a:ln>
-        <a:effectLst>
-          <a:outerShdw blurRad="40000" dist="23000" dir="5400000" rotWithShape="0">
-            <a:srgbClr val="000000">
-              <a:alpha val="35000"/>
-            </a:srgbClr>
-          </a:outerShdw>
-        </a:effectLst>
-      </dsp:spPr>
-      <dsp:style>
-        <a:lnRef idx="0">
-          <a:scrgbClr r="0" g="0" b="0"/>
-        </a:lnRef>
-        <a:fillRef idx="3">
-          <a:scrgbClr r="0" g="0" b="0"/>
-        </a:fillRef>
-        <a:effectRef idx="2">
-          <a:scrgbClr r="0" g="0" b="0"/>
-        </a:effectRef>
-        <a:fontRef idx="minor">
-          <a:schemeClr val="lt1"/>
-        </a:fontRef>
-      </dsp:style>
-      <dsp:txBody>
-        <a:bodyPr spcFirstLastPara="0" vert="horz" wrap="square" lIns="630375" tIns="137160" rIns="256032" bIns="137160" numCol="1" spcCol="1270" anchor="ctr" anchorCtr="0">
-          <a:noAutofit/>
-        </a:bodyPr>
-        <a:lstStyle/>
-        <a:p>
-          <a:pPr lvl="0" algn="ctr" defTabSz="1600200">
-            <a:lnSpc>
-              <a:spcPct val="90000"/>
-            </a:lnSpc>
-            <a:spcBef>
-              <a:spcPct val="0"/>
-            </a:spcBef>
-            <a:spcAft>
-              <a:spcPct val="35000"/>
-            </a:spcAft>
-          </a:pPr>
-          <a:r>
-            <a:rPr lang="en-US" sz="3600" kern="1200" dirty="0" smtClean="0">
-              <a:solidFill>
-                <a:schemeClr val="tx1"/>
-              </a:solidFill>
-            </a:rPr>
-            <a:t>Annotare</a:t>
-          </a:r>
-          <a:endParaRPr lang="en-US" sz="3600" kern="1200" dirty="0">
-            <a:solidFill>
-              <a:schemeClr val="tx1"/>
-            </a:solidFill>
-          </a:endParaRPr>
-        </a:p>
-      </dsp:txBody>
-      <dsp:txXfrm rot="10800000">
-        <a:off x="1072133" y="618743"/>
-        <a:ext cx="2837688" cy="1429512"/>
-      </dsp:txXfrm>
-    </dsp:sp>
-    <dsp:sp modelId="{C9F606A1-DC72-3246-8B8C-8951A5C52150}">
-      <dsp:nvSpPr>
-        <dsp:cNvPr id="0" name=""/>
-        <dsp:cNvSpPr/>
-      </dsp:nvSpPr>
-      <dsp:spPr>
-        <a:xfrm>
-          <a:off x="357377" y="618743"/>
-          <a:ext cx="1429512" cy="1429512"/>
-        </a:xfrm>
-        <a:prstGeom prst="ellipse">
-          <a:avLst/>
-        </a:prstGeom>
-        <a:blipFill rotWithShape="0">
-          <a:blip xmlns:r="http://schemas.openxmlformats.org/officeDocument/2006/relationships" r:embed="rId1"/>
-          <a:stretch>
-            <a:fillRect/>
-          </a:stretch>
-        </a:blipFill>
-        <a:ln>
-          <a:noFill/>
-        </a:ln>
-        <a:effectLst>
-          <a:outerShdw blurRad="40000" dist="23000" dir="5400000" rotWithShape="0">
-            <a:srgbClr val="000000">
-              <a:alpha val="35000"/>
-            </a:srgbClr>
-          </a:outerShdw>
-        </a:effectLst>
-      </dsp:spPr>
-      <dsp:style>
-        <a:lnRef idx="0">
-          <a:scrgbClr r="0" g="0" b="0"/>
-        </a:lnRef>
-        <a:fillRef idx="1">
-          <a:scrgbClr r="0" g="0" b="0"/>
-        </a:fillRef>
-        <a:effectRef idx="2">
-          <a:scrgbClr r="0" g="0" b="0"/>
-        </a:effectRef>
-        <a:fontRef idx="minor"/>
-      </dsp:style>
-    </dsp:sp>
   </dsp:spTree>
 </dsp:drawing>
 </file>
@@ -18840,136 +17150,6 @@
       <dsp:cNvGrpSpPr/>
     </dsp:nvGrpSpPr>
     <dsp:grpSpPr/>
-    <dsp:sp modelId="{219A9598-0BC2-5245-8DC7-BDC783833612}">
-      <dsp:nvSpPr>
-        <dsp:cNvPr id="0" name=""/>
-        <dsp:cNvSpPr/>
-      </dsp:nvSpPr>
-      <dsp:spPr>
-        <a:xfrm rot="10800000">
-          <a:off x="1072133" y="618743"/>
-          <a:ext cx="2837688" cy="1429512"/>
-        </a:xfrm>
-        <a:prstGeom prst="homePlate">
-          <a:avLst/>
-        </a:prstGeom>
-        <a:gradFill flip="none" rotWithShape="1">
-          <a:gsLst>
-            <a:gs pos="0">
-              <a:srgbClr val="FFCC66"/>
-            </a:gs>
-            <a:gs pos="100000">
-              <a:srgbClr val="FFFFFF"/>
-            </a:gs>
-          </a:gsLst>
-          <a:lin ang="16200000" scaled="0"/>
-          <a:tileRect/>
-        </a:gradFill>
-        <a:ln>
-          <a:noFill/>
-        </a:ln>
-        <a:effectLst>
-          <a:outerShdw blurRad="40000" dist="23000" dir="5400000" rotWithShape="0">
-            <a:srgbClr val="000000">
-              <a:alpha val="35000"/>
-            </a:srgbClr>
-          </a:outerShdw>
-        </a:effectLst>
-      </dsp:spPr>
-      <dsp:style>
-        <a:lnRef idx="0">
-          <a:scrgbClr r="0" g="0" b="0"/>
-        </a:lnRef>
-        <a:fillRef idx="3">
-          <a:scrgbClr r="0" g="0" b="0"/>
-        </a:fillRef>
-        <a:effectRef idx="2">
-          <a:scrgbClr r="0" g="0" b="0"/>
-        </a:effectRef>
-        <a:fontRef idx="minor">
-          <a:schemeClr val="lt1"/>
-        </a:fontRef>
-      </dsp:style>
-      <dsp:txBody>
-        <a:bodyPr spcFirstLastPara="0" vert="horz" wrap="square" lIns="630375" tIns="137160" rIns="256032" bIns="137160" numCol="1" spcCol="1270" anchor="ctr" anchorCtr="0">
-          <a:noAutofit/>
-        </a:bodyPr>
-        <a:lstStyle/>
-        <a:p>
-          <a:pPr lvl="0" algn="ctr" defTabSz="1600200">
-            <a:lnSpc>
-              <a:spcPct val="90000"/>
-            </a:lnSpc>
-            <a:spcBef>
-              <a:spcPct val="0"/>
-            </a:spcBef>
-            <a:spcAft>
-              <a:spcPct val="35000"/>
-            </a:spcAft>
-          </a:pPr>
-          <a:r>
-            <a:rPr lang="en-US" sz="3600" kern="1200" dirty="0" smtClean="0">
-              <a:solidFill>
-                <a:schemeClr val="tx1"/>
-              </a:solidFill>
-            </a:rPr>
-            <a:t>Annotare</a:t>
-          </a:r>
-          <a:endParaRPr lang="en-US" sz="3600" kern="1200" dirty="0">
-            <a:solidFill>
-              <a:schemeClr val="tx1"/>
-            </a:solidFill>
-          </a:endParaRPr>
-        </a:p>
-      </dsp:txBody>
-      <dsp:txXfrm rot="10800000">
-        <a:off x="1072133" y="618743"/>
-        <a:ext cx="2837688" cy="1429512"/>
-      </dsp:txXfrm>
-    </dsp:sp>
-    <dsp:sp modelId="{C9F606A1-DC72-3246-8B8C-8951A5C52150}">
-      <dsp:nvSpPr>
-        <dsp:cNvPr id="0" name=""/>
-        <dsp:cNvSpPr/>
-      </dsp:nvSpPr>
-      <dsp:spPr>
-        <a:xfrm>
-          <a:off x="357377" y="618743"/>
-          <a:ext cx="1429512" cy="1429512"/>
-        </a:xfrm>
-        <a:prstGeom prst="ellipse">
-          <a:avLst/>
-        </a:prstGeom>
-        <a:blipFill rotWithShape="0">
-          <a:blip xmlns:r="http://schemas.openxmlformats.org/officeDocument/2006/relationships" r:embed="rId1"/>
-          <a:stretch>
-            <a:fillRect/>
-          </a:stretch>
-        </a:blipFill>
-        <a:ln>
-          <a:noFill/>
-        </a:ln>
-        <a:effectLst>
-          <a:outerShdw blurRad="40000" dist="23000" dir="5400000" rotWithShape="0">
-            <a:srgbClr val="000000">
-              <a:alpha val="35000"/>
-            </a:srgbClr>
-          </a:outerShdw>
-        </a:effectLst>
-      </dsp:spPr>
-      <dsp:style>
-        <a:lnRef idx="0">
-          <a:scrgbClr r="0" g="0" b="0"/>
-        </a:lnRef>
-        <a:fillRef idx="1">
-          <a:scrgbClr r="0" g="0" b="0"/>
-        </a:fillRef>
-        <a:effectRef idx="2">
-          <a:scrgbClr r="0" g="0" b="0"/>
-        </a:effectRef>
-        <a:fontRef idx="minor"/>
-      </dsp:style>
-    </dsp:sp>
   </dsp:spTree>
 </dsp:drawing>
 </file>
@@ -18982,136 +17162,6 @@
       <dsp:cNvGrpSpPr/>
     </dsp:nvGrpSpPr>
     <dsp:grpSpPr/>
-    <dsp:sp modelId="{219A9598-0BC2-5245-8DC7-BDC783833612}">
-      <dsp:nvSpPr>
-        <dsp:cNvPr id="0" name=""/>
-        <dsp:cNvSpPr/>
-      </dsp:nvSpPr>
-      <dsp:spPr>
-        <a:xfrm rot="10800000">
-          <a:off x="1072133" y="618743"/>
-          <a:ext cx="2837688" cy="1429512"/>
-        </a:xfrm>
-        <a:prstGeom prst="homePlate">
-          <a:avLst/>
-        </a:prstGeom>
-        <a:gradFill flip="none" rotWithShape="1">
-          <a:gsLst>
-            <a:gs pos="0">
-              <a:srgbClr val="FFCC66"/>
-            </a:gs>
-            <a:gs pos="100000">
-              <a:srgbClr val="FFFFFF"/>
-            </a:gs>
-          </a:gsLst>
-          <a:lin ang="16200000" scaled="0"/>
-          <a:tileRect/>
-        </a:gradFill>
-        <a:ln>
-          <a:noFill/>
-        </a:ln>
-        <a:effectLst>
-          <a:outerShdw blurRad="40000" dist="23000" dir="5400000" rotWithShape="0">
-            <a:srgbClr val="000000">
-              <a:alpha val="35000"/>
-            </a:srgbClr>
-          </a:outerShdw>
-        </a:effectLst>
-      </dsp:spPr>
-      <dsp:style>
-        <a:lnRef idx="0">
-          <a:scrgbClr r="0" g="0" b="0"/>
-        </a:lnRef>
-        <a:fillRef idx="3">
-          <a:scrgbClr r="0" g="0" b="0"/>
-        </a:fillRef>
-        <a:effectRef idx="2">
-          <a:scrgbClr r="0" g="0" b="0"/>
-        </a:effectRef>
-        <a:fontRef idx="minor">
-          <a:schemeClr val="lt1"/>
-        </a:fontRef>
-      </dsp:style>
-      <dsp:txBody>
-        <a:bodyPr spcFirstLastPara="0" vert="horz" wrap="square" lIns="630375" tIns="137160" rIns="256032" bIns="137160" numCol="1" spcCol="1270" anchor="ctr" anchorCtr="0">
-          <a:noAutofit/>
-        </a:bodyPr>
-        <a:lstStyle/>
-        <a:p>
-          <a:pPr lvl="0" algn="ctr" defTabSz="1600200">
-            <a:lnSpc>
-              <a:spcPct val="90000"/>
-            </a:lnSpc>
-            <a:spcBef>
-              <a:spcPct val="0"/>
-            </a:spcBef>
-            <a:spcAft>
-              <a:spcPct val="35000"/>
-            </a:spcAft>
-          </a:pPr>
-          <a:r>
-            <a:rPr lang="en-US" sz="3600" kern="1200" dirty="0" smtClean="0">
-              <a:solidFill>
-                <a:schemeClr val="tx1"/>
-              </a:solidFill>
-            </a:rPr>
-            <a:t>Annotare</a:t>
-          </a:r>
-          <a:endParaRPr lang="en-US" sz="3600" kern="1200" dirty="0">
-            <a:solidFill>
-              <a:schemeClr val="tx1"/>
-            </a:solidFill>
-          </a:endParaRPr>
-        </a:p>
-      </dsp:txBody>
-      <dsp:txXfrm rot="10800000">
-        <a:off x="1072133" y="618743"/>
-        <a:ext cx="2837688" cy="1429512"/>
-      </dsp:txXfrm>
-    </dsp:sp>
-    <dsp:sp modelId="{C9F606A1-DC72-3246-8B8C-8951A5C52150}">
-      <dsp:nvSpPr>
-        <dsp:cNvPr id="0" name=""/>
-        <dsp:cNvSpPr/>
-      </dsp:nvSpPr>
-      <dsp:spPr>
-        <a:xfrm>
-          <a:off x="357377" y="618743"/>
-          <a:ext cx="1429512" cy="1429512"/>
-        </a:xfrm>
-        <a:prstGeom prst="ellipse">
-          <a:avLst/>
-        </a:prstGeom>
-        <a:blipFill rotWithShape="0">
-          <a:blip xmlns:r="http://schemas.openxmlformats.org/officeDocument/2006/relationships" r:embed="rId1"/>
-          <a:stretch>
-            <a:fillRect/>
-          </a:stretch>
-        </a:blipFill>
-        <a:ln>
-          <a:noFill/>
-        </a:ln>
-        <a:effectLst>
-          <a:outerShdw blurRad="40000" dist="23000" dir="5400000" rotWithShape="0">
-            <a:srgbClr val="000000">
-              <a:alpha val="35000"/>
-            </a:srgbClr>
-          </a:outerShdw>
-        </a:effectLst>
-      </dsp:spPr>
-      <dsp:style>
-        <a:lnRef idx="0">
-          <a:scrgbClr r="0" g="0" b="0"/>
-        </a:lnRef>
-        <a:fillRef idx="1">
-          <a:scrgbClr r="0" g="0" b="0"/>
-        </a:fillRef>
-        <a:effectRef idx="2">
-          <a:scrgbClr r="0" g="0" b="0"/>
-        </a:effectRef>
-        <a:fontRef idx="minor"/>
-      </dsp:style>
-    </dsp:sp>
   </dsp:spTree>
 </dsp:drawing>
 </file>
@@ -19124,136 +17174,6 @@
       <dsp:cNvGrpSpPr/>
     </dsp:nvGrpSpPr>
     <dsp:grpSpPr/>
-    <dsp:sp modelId="{219A9598-0BC2-5245-8DC7-BDC783833612}">
-      <dsp:nvSpPr>
-        <dsp:cNvPr id="0" name=""/>
-        <dsp:cNvSpPr/>
-      </dsp:nvSpPr>
-      <dsp:spPr>
-        <a:xfrm rot="10800000">
-          <a:off x="1072133" y="618743"/>
-          <a:ext cx="2837688" cy="1429512"/>
-        </a:xfrm>
-        <a:prstGeom prst="homePlate">
-          <a:avLst/>
-        </a:prstGeom>
-        <a:gradFill flip="none" rotWithShape="1">
-          <a:gsLst>
-            <a:gs pos="0">
-              <a:srgbClr val="FFCC66"/>
-            </a:gs>
-            <a:gs pos="100000">
-              <a:srgbClr val="FFFFFF"/>
-            </a:gs>
-          </a:gsLst>
-          <a:lin ang="16200000" scaled="0"/>
-          <a:tileRect/>
-        </a:gradFill>
-        <a:ln>
-          <a:noFill/>
-        </a:ln>
-        <a:effectLst>
-          <a:outerShdw blurRad="40000" dist="23000" dir="5400000" rotWithShape="0">
-            <a:srgbClr val="000000">
-              <a:alpha val="35000"/>
-            </a:srgbClr>
-          </a:outerShdw>
-        </a:effectLst>
-      </dsp:spPr>
-      <dsp:style>
-        <a:lnRef idx="0">
-          <a:scrgbClr r="0" g="0" b="0"/>
-        </a:lnRef>
-        <a:fillRef idx="3">
-          <a:scrgbClr r="0" g="0" b="0"/>
-        </a:fillRef>
-        <a:effectRef idx="2">
-          <a:scrgbClr r="0" g="0" b="0"/>
-        </a:effectRef>
-        <a:fontRef idx="minor">
-          <a:schemeClr val="lt1"/>
-        </a:fontRef>
-      </dsp:style>
-      <dsp:txBody>
-        <a:bodyPr spcFirstLastPara="0" vert="horz" wrap="square" lIns="630375" tIns="137160" rIns="256032" bIns="137160" numCol="1" spcCol="1270" anchor="ctr" anchorCtr="0">
-          <a:noAutofit/>
-        </a:bodyPr>
-        <a:lstStyle/>
-        <a:p>
-          <a:pPr lvl="0" algn="ctr" defTabSz="1600200">
-            <a:lnSpc>
-              <a:spcPct val="90000"/>
-            </a:lnSpc>
-            <a:spcBef>
-              <a:spcPct val="0"/>
-            </a:spcBef>
-            <a:spcAft>
-              <a:spcPct val="35000"/>
-            </a:spcAft>
-          </a:pPr>
-          <a:r>
-            <a:rPr lang="en-US" sz="3600" kern="1200" dirty="0" smtClean="0">
-              <a:solidFill>
-                <a:schemeClr val="tx1"/>
-              </a:solidFill>
-            </a:rPr>
-            <a:t>Annotare</a:t>
-          </a:r>
-          <a:endParaRPr lang="en-US" sz="3600" kern="1200" dirty="0">
-            <a:solidFill>
-              <a:schemeClr val="tx1"/>
-            </a:solidFill>
-          </a:endParaRPr>
-        </a:p>
-      </dsp:txBody>
-      <dsp:txXfrm rot="10800000">
-        <a:off x="1072133" y="618743"/>
-        <a:ext cx="2837688" cy="1429512"/>
-      </dsp:txXfrm>
-    </dsp:sp>
-    <dsp:sp modelId="{C9F606A1-DC72-3246-8B8C-8951A5C52150}">
-      <dsp:nvSpPr>
-        <dsp:cNvPr id="0" name=""/>
-        <dsp:cNvSpPr/>
-      </dsp:nvSpPr>
-      <dsp:spPr>
-        <a:xfrm>
-          <a:off x="357377" y="618743"/>
-          <a:ext cx="1429512" cy="1429512"/>
-        </a:xfrm>
-        <a:prstGeom prst="ellipse">
-          <a:avLst/>
-        </a:prstGeom>
-        <a:blipFill rotWithShape="0">
-          <a:blip xmlns:r="http://schemas.openxmlformats.org/officeDocument/2006/relationships" r:embed="rId1"/>
-          <a:stretch>
-            <a:fillRect/>
-          </a:stretch>
-        </a:blipFill>
-        <a:ln>
-          <a:noFill/>
-        </a:ln>
-        <a:effectLst>
-          <a:outerShdw blurRad="40000" dist="23000" dir="5400000" rotWithShape="0">
-            <a:srgbClr val="000000">
-              <a:alpha val="35000"/>
-            </a:srgbClr>
-          </a:outerShdw>
-        </a:effectLst>
-      </dsp:spPr>
-      <dsp:style>
-        <a:lnRef idx="0">
-          <a:scrgbClr r="0" g="0" b="0"/>
-        </a:lnRef>
-        <a:fillRef idx="1">
-          <a:scrgbClr r="0" g="0" b="0"/>
-        </a:fillRef>
-        <a:effectRef idx="2">
-          <a:scrgbClr r="0" g="0" b="0"/>
-        </a:effectRef>
-        <a:fontRef idx="minor"/>
-      </dsp:style>
-    </dsp:sp>
   </dsp:spTree>
 </dsp:drawing>
 </file>
@@ -19266,136 +17186,6 @@
       <dsp:cNvGrpSpPr/>
     </dsp:nvGrpSpPr>
     <dsp:grpSpPr/>
-    <dsp:sp modelId="{219A9598-0BC2-5245-8DC7-BDC783833612}">
-      <dsp:nvSpPr>
-        <dsp:cNvPr id="0" name=""/>
-        <dsp:cNvSpPr/>
-      </dsp:nvSpPr>
-      <dsp:spPr>
-        <a:xfrm rot="10800000">
-          <a:off x="1072133" y="618743"/>
-          <a:ext cx="2837688" cy="1429512"/>
-        </a:xfrm>
-        <a:prstGeom prst="homePlate">
-          <a:avLst/>
-        </a:prstGeom>
-        <a:gradFill flip="none" rotWithShape="1">
-          <a:gsLst>
-            <a:gs pos="0">
-              <a:srgbClr val="FFCC66"/>
-            </a:gs>
-            <a:gs pos="100000">
-              <a:srgbClr val="FFFFFF"/>
-            </a:gs>
-          </a:gsLst>
-          <a:lin ang="16200000" scaled="0"/>
-          <a:tileRect/>
-        </a:gradFill>
-        <a:ln>
-          <a:noFill/>
-        </a:ln>
-        <a:effectLst>
-          <a:outerShdw blurRad="40000" dist="23000" dir="5400000" rotWithShape="0">
-            <a:srgbClr val="000000">
-              <a:alpha val="35000"/>
-            </a:srgbClr>
-          </a:outerShdw>
-        </a:effectLst>
-      </dsp:spPr>
-      <dsp:style>
-        <a:lnRef idx="0">
-          <a:scrgbClr r="0" g="0" b="0"/>
-        </a:lnRef>
-        <a:fillRef idx="3">
-          <a:scrgbClr r="0" g="0" b="0"/>
-        </a:fillRef>
-        <a:effectRef idx="2">
-          <a:scrgbClr r="0" g="0" b="0"/>
-        </a:effectRef>
-        <a:fontRef idx="minor">
-          <a:schemeClr val="lt1"/>
-        </a:fontRef>
-      </dsp:style>
-      <dsp:txBody>
-        <a:bodyPr spcFirstLastPara="0" vert="horz" wrap="square" lIns="630375" tIns="137160" rIns="256032" bIns="137160" numCol="1" spcCol="1270" anchor="ctr" anchorCtr="0">
-          <a:noAutofit/>
-        </a:bodyPr>
-        <a:lstStyle/>
-        <a:p>
-          <a:pPr lvl="0" algn="ctr" defTabSz="1600200">
-            <a:lnSpc>
-              <a:spcPct val="90000"/>
-            </a:lnSpc>
-            <a:spcBef>
-              <a:spcPct val="0"/>
-            </a:spcBef>
-            <a:spcAft>
-              <a:spcPct val="35000"/>
-            </a:spcAft>
-          </a:pPr>
-          <a:r>
-            <a:rPr lang="en-US" sz="3600" kern="1200" dirty="0" smtClean="0">
-              <a:solidFill>
-                <a:schemeClr val="tx1"/>
-              </a:solidFill>
-            </a:rPr>
-            <a:t>Annotare</a:t>
-          </a:r>
-          <a:endParaRPr lang="en-US" sz="3600" kern="1200" dirty="0">
-            <a:solidFill>
-              <a:schemeClr val="tx1"/>
-            </a:solidFill>
-          </a:endParaRPr>
-        </a:p>
-      </dsp:txBody>
-      <dsp:txXfrm rot="10800000">
-        <a:off x="1072133" y="618743"/>
-        <a:ext cx="2837688" cy="1429512"/>
-      </dsp:txXfrm>
-    </dsp:sp>
-    <dsp:sp modelId="{C9F606A1-DC72-3246-8B8C-8951A5C52150}">
-      <dsp:nvSpPr>
-        <dsp:cNvPr id="0" name=""/>
-        <dsp:cNvSpPr/>
-      </dsp:nvSpPr>
-      <dsp:spPr>
-        <a:xfrm>
-          <a:off x="357377" y="618743"/>
-          <a:ext cx="1429512" cy="1429512"/>
-        </a:xfrm>
-        <a:prstGeom prst="ellipse">
-          <a:avLst/>
-        </a:prstGeom>
-        <a:blipFill rotWithShape="0">
-          <a:blip xmlns:r="http://schemas.openxmlformats.org/officeDocument/2006/relationships" r:embed="rId1"/>
-          <a:stretch>
-            <a:fillRect/>
-          </a:stretch>
-        </a:blipFill>
-        <a:ln>
-          <a:noFill/>
-        </a:ln>
-        <a:effectLst>
-          <a:outerShdw blurRad="40000" dist="23000" dir="5400000" rotWithShape="0">
-            <a:srgbClr val="000000">
-              <a:alpha val="35000"/>
-            </a:srgbClr>
-          </a:outerShdw>
-        </a:effectLst>
-      </dsp:spPr>
-      <dsp:style>
-        <a:lnRef idx="0">
-          <a:scrgbClr r="0" g="0" b="0"/>
-        </a:lnRef>
-        <a:fillRef idx="1">
-          <a:scrgbClr r="0" g="0" b="0"/>
-        </a:fillRef>
-        <a:effectRef idx="2">
-          <a:scrgbClr r="0" g="0" b="0"/>
-        </a:effectRef>
-        <a:fontRef idx="minor"/>
-      </dsp:style>
-    </dsp:sp>
   </dsp:spTree>
 </dsp:drawing>
 </file>
@@ -42188,7 +39978,7 @@
             <a:fld id="{19C1E9F1-3EC1-6444-B428-4F8E6DCDED3B}" type="datetimeFigureOut">
               <a:rPr lang="en-US" smtClean="0"/>
               <a:pPr/>
-              <a:t>10/12/10</a:t>
+              <a:t>10/13/10</a:t>
             </a:fld>
             <a:endParaRPr lang="en-US"/>
           </a:p>
@@ -47116,27 +44906,7 @@
                 <a:latin typeface="Arial" charset="0"/>
                 <a:ea typeface="ＭＳ Ｐゴシック" charset="-128"/>
               </a:rPr>
-              <a:t>ICR-WS </a:t>
-            </a:r>
-            <a:r>
-              <a:rPr lang="en-US" sz="1400" dirty="0" smtClean="0">
-                <a:solidFill>
-                  <a:schemeClr val="bg2"/>
-                </a:solidFill>
-                <a:latin typeface="Arial" charset="0"/>
-                <a:ea typeface="ＭＳ Ｐゴシック" charset="-128"/>
-              </a:rPr>
-              <a:t>Meeting</a:t>
-            </a:r>
-            <a:r>
-              <a:rPr lang="en-US" sz="1400" dirty="0" smtClean="0">
-                <a:solidFill>
-                  <a:schemeClr val="bg2"/>
-                </a:solidFill>
-                <a:latin typeface="Arial" charset="0"/>
-                <a:ea typeface="ＭＳ Ｐゴシック" charset="-128"/>
-              </a:rPr>
-              <a:t/>
+              <a:t>ICR-WS Meeting</a:t>
             </a:r>
             <a:br>
               <a:rPr lang="en-US" sz="1400" dirty="0" smtClean="0">
@@ -47155,17 +44925,7 @@
                 <a:latin typeface="Arial" charset="0"/>
                 <a:ea typeface="ＭＳ Ｐゴシック" charset="-128"/>
               </a:rPr>
-              <a:t>October 13, </a:t>
-            </a:r>
-            <a:r>
-              <a:rPr lang="en-US" sz="1400" dirty="0" smtClean="0">
-                <a:solidFill>
-                  <a:schemeClr val="bg2"/>
-                </a:solidFill>
-                <a:latin typeface="Arial" charset="0"/>
-                <a:ea typeface="ＭＳ Ｐゴシック" charset="-128"/>
-              </a:rPr>
-              <a:t>2010</a:t>
+              <a:t>October 13, 2010</a:t>
             </a:r>
             <a:br>
               <a:rPr lang="en-US" sz="1400" dirty="0" smtClean="0">
@@ -47440,31 +45200,7 @@
               <a:rPr lang="en-US" dirty="0" smtClean="0">
                 <a:ea typeface="ＭＳ Ｐゴシック" charset="-128"/>
               </a:rPr>
-              <a:t>Annotating</a:t>
-            </a:r>
-            <a:r>
-              <a:rPr lang="en-US" dirty="0" smtClean="0">
-                <a:ea typeface="ＭＳ Ｐゴシック" charset="-128"/>
-              </a:rPr>
-              <a:t> </a:t>
-            </a:r>
-            <a:r>
-              <a:rPr lang="en-US" dirty="0" smtClean="0">
-                <a:ea typeface="ＭＳ Ｐゴシック" charset="-128"/>
-              </a:rPr>
-              <a:t>Experiments </a:t>
-            </a:r>
-            <a:r>
-              <a:rPr lang="en-US" dirty="0" smtClean="0">
-                <a:ea typeface="ＭＳ Ｐゴシック" charset="-128"/>
-              </a:rPr>
-              <a:t>with MAGE-</a:t>
-            </a:r>
-            <a:r>
-              <a:rPr lang="en-US" dirty="0" smtClean="0">
-                <a:ea typeface="ＭＳ Ｐゴシック" charset="-128"/>
-              </a:rPr>
-              <a:t>TAB:</a:t>
+              <a:t>Annotating Experiments with MAGE-TAB:</a:t>
             </a:r>
             <a:br>
               <a:rPr lang="en-US" dirty="0" smtClean="0">
@@ -47600,17 +45336,7 @@
                 <a:latin typeface="Arial" charset="0"/>
                 <a:ea typeface="ＭＳ Ｐゴシック" charset="-128"/>
               </a:rPr>
-              <a:t>Example files can be downloaded from </a:t>
-            </a:r>
-            <a:r>
-              <a:rPr lang="en-US" sz="1000" dirty="0" smtClean="0">
-                <a:solidFill>
-                  <a:schemeClr val="bg2"/>
-                </a:solidFill>
-                <a:latin typeface="Arial" charset="0"/>
-                <a:ea typeface="ＭＳ Ｐゴシック" charset="-128"/>
-              </a:rPr>
-              <a:t>here: </a:t>
+              <a:t>Example files can be downloaded from here: </a:t>
             </a:r>
             <a:r>
               <a:rPr lang="en-US" sz="1000" dirty="0" smtClean="0">
@@ -49183,9 +46909,6 @@
               </a:rPr>
               <a:t>Next Releases</a:t>
             </a:r>
-            <a:endParaRPr lang="en-US" dirty="0" smtClean="0">
-              <a:ea typeface="ＭＳ Ｐゴシック" charset="-128"/>
-            </a:endParaRPr>
           </a:p>
         </p:txBody>
       </p:sp>
@@ -49214,18 +46937,36 @@
             <a:pPr lvl="1" eaLnBrk="1" hangingPunct="1"/>
             <a:r>
               <a:rPr lang="en-US" sz="1600" dirty="0" smtClean="0"/>
-              <a:t>Fixes memory problem with imports of large array designs (&gt;100,000 design elements)</a:t>
+              <a:t>Fixes memory problem with imports of large array designs (&gt;100,000 design elements</a:t>
+            </a:r>
+            <a:r>
+              <a:rPr lang="en-US" sz="1600" dirty="0" smtClean="0"/>
+              <a:t>)</a:t>
+            </a:r>
+          </a:p>
+          <a:p>
+            <a:pPr lvl="1" eaLnBrk="1" hangingPunct="1"/>
+            <a:r>
+              <a:rPr lang="en-US" sz="1600" dirty="0" smtClean="0"/>
+              <a:t>Fixes problem where Illumina data values are not associated to probes</a:t>
+            </a:r>
+          </a:p>
+          <a:p>
+            <a:pPr lvl="1" eaLnBrk="1" hangingPunct="1"/>
+            <a:r>
+              <a:rPr lang="en-US" sz="1600" dirty="0" smtClean="0"/>
+              <a:t>Supports N/A values in copy </a:t>
+            </a:r>
+            <a:r>
+              <a:rPr lang="en-US" sz="1600" smtClean="0"/>
+              <a:t>number data</a:t>
             </a:r>
           </a:p>
           <a:p>
             <a:pPr eaLnBrk="1" hangingPunct="1"/>
             <a:r>
               <a:rPr lang="en-US" sz="2400" dirty="0" smtClean="0"/>
-              <a:t>2.5.0 scope is </a:t>
-            </a:r>
-            <a:r>
-              <a:rPr lang="en-US" sz="2400" dirty="0" smtClean="0"/>
-              <a:t>being driven by…</a:t>
+              <a:t>2.5.0 scope is being driven by…</a:t>
             </a:r>
           </a:p>
           <a:p>
